--- a/(青年聖歌I110)活著為耶穌.pptx
+++ b/(青年聖歌I110)活著為耶穌.pptx
@@ -10,7 +10,7 @@
     <p:sldId id="258" r:id="rId4"/>
     <p:sldId id="259" r:id="rId5"/>
   </p:sldIdLst>
-  <p:sldSz cx="9144000" cy="6858000" type="screen4x3"/>
+  <p:sldSz cx="12192000" cy="6858000"/>
   <p:notesSz cx="6858000" cy="9144000"/>
   <p:defaultTextStyle>
     <a:defPPr>
@@ -107,6 +107,22 @@
       </a:defRPr>
     </a:lvl9pPr>
   </p:defaultTextStyle>
+  <p:extLst>
+    <p:ext uri="{EFAFB233-063F-42B5-8137-9DF3F51BA10A}">
+      <p15:sldGuideLst xmlns:p15="http://schemas.microsoft.com/office/powerpoint/2012/main">
+        <p15:guide id="1" orient="horz" pos="2160" userDrawn="1">
+          <p15:clr>
+            <a:srgbClr val="A4A3A4"/>
+          </p15:clr>
+        </p15:guide>
+        <p15:guide id="2" pos="3840" userDrawn="1">
+          <p15:clr>
+            <a:srgbClr val="A4A3A4"/>
+          </p15:clr>
+        </p15:guide>
+      </p15:sldGuideLst>
+    </p:ext>
+  </p:extLst>
 </p:presentation>
 </file>
 
@@ -139,8 +155,8 @@
         </p:nvSpPr>
         <p:spPr>
           <a:xfrm>
-            <a:off x="685800" y="2130425"/>
-            <a:ext cx="7772400" cy="1470025"/>
+            <a:off x="914400" y="2130426"/>
+            <a:ext cx="10363200" cy="1470025"/>
           </a:xfrm>
         </p:spPr>
         <p:txBody>
@@ -167,8 +183,8 @@
         </p:nvSpPr>
         <p:spPr>
           <a:xfrm>
-            <a:off x="1371600" y="3886200"/>
-            <a:ext cx="6400800" cy="1752600"/>
+            <a:off x="1828800" y="3886200"/>
+            <a:ext cx="8534400" cy="1752600"/>
           </a:xfrm>
         </p:spPr>
         <p:txBody>
@@ -292,7 +308,7 @@
             <a:fld id="{56B17361-AFF9-4A50-8FA1-CCBB1A96AC9B}" type="datetimeFigureOut">
               <a:rPr lang="zh-TW" altLang="en-US" smtClean="0"/>
               <a:pPr/>
-              <a:t>2019/4/5</a:t>
+              <a:t>2020/1/4</a:t>
             </a:fld>
             <a:endParaRPr lang="zh-TW" altLang="en-US"/>
           </a:p>
@@ -459,7 +475,7 @@
             <a:fld id="{56B17361-AFF9-4A50-8FA1-CCBB1A96AC9B}" type="datetimeFigureOut">
               <a:rPr lang="zh-TW" altLang="en-US" smtClean="0"/>
               <a:pPr/>
-              <a:t>2019/4/5</a:t>
+              <a:t>2020/1/4</a:t>
             </a:fld>
             <a:endParaRPr lang="zh-TW" altLang="en-US"/>
           </a:p>
@@ -545,8 +561,8 @@
         </p:nvSpPr>
         <p:spPr>
           <a:xfrm>
-            <a:off x="6629400" y="274638"/>
-            <a:ext cx="2057400" cy="5851525"/>
+            <a:off x="8839200" y="274639"/>
+            <a:ext cx="2743200" cy="5851525"/>
           </a:xfrm>
         </p:spPr>
         <p:txBody>
@@ -573,8 +589,8 @@
         </p:nvSpPr>
         <p:spPr>
           <a:xfrm>
-            <a:off x="457200" y="274638"/>
-            <a:ext cx="6019800" cy="5851525"/>
+            <a:off x="609600" y="274639"/>
+            <a:ext cx="8026400" cy="5851525"/>
           </a:xfrm>
         </p:spPr>
         <p:txBody>
@@ -636,7 +652,7 @@
             <a:fld id="{56B17361-AFF9-4A50-8FA1-CCBB1A96AC9B}" type="datetimeFigureOut">
               <a:rPr lang="zh-TW" altLang="en-US" smtClean="0"/>
               <a:pPr/>
-              <a:t>2019/4/5</a:t>
+              <a:t>2020/1/4</a:t>
             </a:fld>
             <a:endParaRPr lang="zh-TW" altLang="en-US"/>
           </a:p>
@@ -803,7 +819,7 @@
             <a:fld id="{56B17361-AFF9-4A50-8FA1-CCBB1A96AC9B}" type="datetimeFigureOut">
               <a:rPr lang="zh-TW" altLang="en-US" smtClean="0"/>
               <a:pPr/>
-              <a:t>2019/4/5</a:t>
+              <a:t>2020/1/4</a:t>
             </a:fld>
             <a:endParaRPr lang="zh-TW" altLang="en-US"/>
           </a:p>
@@ -889,8 +905,8 @@
         </p:nvSpPr>
         <p:spPr>
           <a:xfrm>
-            <a:off x="722313" y="4406900"/>
-            <a:ext cx="7772400" cy="1362075"/>
+            <a:off x="963084" y="4406901"/>
+            <a:ext cx="10363200" cy="1362075"/>
           </a:xfrm>
         </p:spPr>
         <p:txBody>
@@ -921,8 +937,8 @@
         </p:nvSpPr>
         <p:spPr>
           <a:xfrm>
-            <a:off x="722313" y="2906713"/>
-            <a:ext cx="7772400" cy="1500187"/>
+            <a:off x="963084" y="2906713"/>
+            <a:ext cx="10363200" cy="1500187"/>
           </a:xfrm>
         </p:spPr>
         <p:txBody>
@@ -1046,7 +1062,7 @@
             <a:fld id="{56B17361-AFF9-4A50-8FA1-CCBB1A96AC9B}" type="datetimeFigureOut">
               <a:rPr lang="zh-TW" altLang="en-US" smtClean="0"/>
               <a:pPr/>
-              <a:t>2019/4/5</a:t>
+              <a:t>2020/1/4</a:t>
             </a:fld>
             <a:endParaRPr lang="zh-TW" altLang="en-US"/>
           </a:p>
@@ -1155,8 +1171,8 @@
         </p:nvSpPr>
         <p:spPr>
           <a:xfrm>
-            <a:off x="457200" y="1600200"/>
-            <a:ext cx="4038600" cy="4525963"/>
+            <a:off x="609600" y="1600201"/>
+            <a:ext cx="5384800" cy="4525963"/>
           </a:xfrm>
         </p:spPr>
         <p:txBody>
@@ -1240,8 +1256,8 @@
         </p:nvSpPr>
         <p:spPr>
           <a:xfrm>
-            <a:off x="4648200" y="1600200"/>
-            <a:ext cx="4038600" cy="4525963"/>
+            <a:off x="6197600" y="1600201"/>
+            <a:ext cx="5384800" cy="4525963"/>
           </a:xfrm>
         </p:spPr>
         <p:txBody>
@@ -1331,7 +1347,7 @@
             <a:fld id="{56B17361-AFF9-4A50-8FA1-CCBB1A96AC9B}" type="datetimeFigureOut">
               <a:rPr lang="zh-TW" altLang="en-US" smtClean="0"/>
               <a:pPr/>
-              <a:t>2019/4/5</a:t>
+              <a:t>2020/1/4</a:t>
             </a:fld>
             <a:endParaRPr lang="zh-TW" altLang="en-US"/>
           </a:p>
@@ -1444,8 +1460,8 @@
         </p:nvSpPr>
         <p:spPr>
           <a:xfrm>
-            <a:off x="457200" y="1535113"/>
-            <a:ext cx="4040188" cy="639762"/>
+            <a:off x="609600" y="1535113"/>
+            <a:ext cx="5386917" cy="639762"/>
           </a:xfrm>
         </p:spPr>
         <p:txBody>
@@ -1509,8 +1525,8 @@
         </p:nvSpPr>
         <p:spPr>
           <a:xfrm>
-            <a:off x="457200" y="2174875"/>
-            <a:ext cx="4040188" cy="3951288"/>
+            <a:off x="609600" y="2174875"/>
+            <a:ext cx="5386917" cy="3951288"/>
           </a:xfrm>
         </p:spPr>
         <p:txBody>
@@ -1594,8 +1610,8 @@
         </p:nvSpPr>
         <p:spPr>
           <a:xfrm>
-            <a:off x="4645025" y="1535113"/>
-            <a:ext cx="4041775" cy="639762"/>
+            <a:off x="6193368" y="1535113"/>
+            <a:ext cx="5389033" cy="639762"/>
           </a:xfrm>
         </p:spPr>
         <p:txBody>
@@ -1659,8 +1675,8 @@
         </p:nvSpPr>
         <p:spPr>
           <a:xfrm>
-            <a:off x="4645025" y="2174875"/>
-            <a:ext cx="4041775" cy="3951288"/>
+            <a:off x="6193368" y="2174875"/>
+            <a:ext cx="5389033" cy="3951288"/>
           </a:xfrm>
         </p:spPr>
         <p:txBody>
@@ -1750,7 +1766,7 @@
             <a:fld id="{56B17361-AFF9-4A50-8FA1-CCBB1A96AC9B}" type="datetimeFigureOut">
               <a:rPr lang="zh-TW" altLang="en-US" smtClean="0"/>
               <a:pPr/>
-              <a:t>2019/4/5</a:t>
+              <a:t>2020/1/4</a:t>
             </a:fld>
             <a:endParaRPr lang="zh-TW" altLang="en-US"/>
           </a:p>
@@ -1865,7 +1881,7 @@
             <a:fld id="{56B17361-AFF9-4A50-8FA1-CCBB1A96AC9B}" type="datetimeFigureOut">
               <a:rPr lang="zh-TW" altLang="en-US" smtClean="0"/>
               <a:pPr/>
-              <a:t>2019/4/5</a:t>
+              <a:t>2020/1/4</a:t>
             </a:fld>
             <a:endParaRPr lang="zh-TW" altLang="en-US"/>
           </a:p>
@@ -1957,7 +1973,7 @@
             <a:fld id="{56B17361-AFF9-4A50-8FA1-CCBB1A96AC9B}" type="datetimeFigureOut">
               <a:rPr lang="zh-TW" altLang="en-US" smtClean="0"/>
               <a:pPr/>
-              <a:t>2019/4/5</a:t>
+              <a:t>2020/1/4</a:t>
             </a:fld>
             <a:endParaRPr lang="zh-TW" altLang="en-US"/>
           </a:p>
@@ -2043,8 +2059,8 @@
         </p:nvSpPr>
         <p:spPr>
           <a:xfrm>
-            <a:off x="457200" y="273050"/>
-            <a:ext cx="3008313" cy="1162050"/>
+            <a:off x="609601" y="273050"/>
+            <a:ext cx="4011084" cy="1162050"/>
           </a:xfrm>
         </p:spPr>
         <p:txBody>
@@ -2075,8 +2091,8 @@
         </p:nvSpPr>
         <p:spPr>
           <a:xfrm>
-            <a:off x="3575050" y="273050"/>
-            <a:ext cx="5111750" cy="5853113"/>
+            <a:off x="4766733" y="273051"/>
+            <a:ext cx="6815667" cy="5853113"/>
           </a:xfrm>
         </p:spPr>
         <p:txBody>
@@ -2160,8 +2176,8 @@
         </p:nvSpPr>
         <p:spPr>
           <a:xfrm>
-            <a:off x="457200" y="1435100"/>
-            <a:ext cx="3008313" cy="4691063"/>
+            <a:off x="609601" y="1435101"/>
+            <a:ext cx="4011084" cy="4691063"/>
           </a:xfrm>
         </p:spPr>
         <p:txBody>
@@ -2231,7 +2247,7 @@
             <a:fld id="{56B17361-AFF9-4A50-8FA1-CCBB1A96AC9B}" type="datetimeFigureOut">
               <a:rPr lang="zh-TW" altLang="en-US" smtClean="0"/>
               <a:pPr/>
-              <a:t>2019/4/5</a:t>
+              <a:t>2020/1/4</a:t>
             </a:fld>
             <a:endParaRPr lang="zh-TW" altLang="en-US"/>
           </a:p>
@@ -2317,8 +2333,8 @@
         </p:nvSpPr>
         <p:spPr>
           <a:xfrm>
-            <a:off x="1792288" y="4800600"/>
-            <a:ext cx="5486400" cy="566738"/>
+            <a:off x="2389717" y="4800600"/>
+            <a:ext cx="7315200" cy="566738"/>
           </a:xfrm>
         </p:spPr>
         <p:txBody>
@@ -2349,8 +2365,8 @@
         </p:nvSpPr>
         <p:spPr>
           <a:xfrm>
-            <a:off x="1792288" y="612775"/>
-            <a:ext cx="5486400" cy="4114800"/>
+            <a:off x="2389717" y="612775"/>
+            <a:ext cx="7315200" cy="4114800"/>
           </a:xfrm>
         </p:spPr>
         <p:txBody>
@@ -2414,8 +2430,8 @@
         </p:nvSpPr>
         <p:spPr>
           <a:xfrm>
-            <a:off x="1792288" y="5367338"/>
-            <a:ext cx="5486400" cy="804862"/>
+            <a:off x="2389717" y="5367338"/>
+            <a:ext cx="7315200" cy="804862"/>
           </a:xfrm>
         </p:spPr>
         <p:txBody>
@@ -2485,7 +2501,7 @@
             <a:fld id="{56B17361-AFF9-4A50-8FA1-CCBB1A96AC9B}" type="datetimeFigureOut">
               <a:rPr lang="zh-TW" altLang="en-US" smtClean="0"/>
               <a:pPr/>
-              <a:t>2019/4/5</a:t>
+              <a:t>2020/1/4</a:t>
             </a:fld>
             <a:endParaRPr lang="zh-TW" altLang="en-US"/>
           </a:p>
@@ -2581,8 +2597,8 @@
         </p:nvSpPr>
         <p:spPr>
           <a:xfrm>
-            <a:off x="457200" y="274638"/>
-            <a:ext cx="8229600" cy="1143000"/>
+            <a:off x="609600" y="274638"/>
+            <a:ext cx="10972800" cy="1143000"/>
           </a:xfrm>
           <a:prstGeom prst="rect">
             <a:avLst/>
@@ -2614,8 +2630,8 @@
         </p:nvSpPr>
         <p:spPr>
           <a:xfrm>
-            <a:off x="457200" y="1600200"/>
-            <a:ext cx="8229600" cy="4525963"/>
+            <a:off x="609600" y="1600201"/>
+            <a:ext cx="10972800" cy="4525963"/>
           </a:xfrm>
           <a:prstGeom prst="rect">
             <a:avLst/>
@@ -2676,8 +2692,8 @@
         </p:nvSpPr>
         <p:spPr>
           <a:xfrm>
-            <a:off x="457200" y="6356350"/>
-            <a:ext cx="2133600" cy="365125"/>
+            <a:off x="609600" y="6356351"/>
+            <a:ext cx="2844800" cy="365125"/>
           </a:xfrm>
           <a:prstGeom prst="rect">
             <a:avLst/>
@@ -2700,7 +2716,7 @@
             <a:fld id="{56B17361-AFF9-4A50-8FA1-CCBB1A96AC9B}" type="datetimeFigureOut">
               <a:rPr lang="zh-TW" altLang="en-US" smtClean="0"/>
               <a:pPr/>
-              <a:t>2019/4/5</a:t>
+              <a:t>2020/1/4</a:t>
             </a:fld>
             <a:endParaRPr lang="zh-TW" altLang="en-US"/>
           </a:p>
@@ -2718,8 +2734,8 @@
         </p:nvSpPr>
         <p:spPr>
           <a:xfrm>
-            <a:off x="3124200" y="6356350"/>
-            <a:ext cx="2895600" cy="365125"/>
+            <a:off x="4165600" y="6356351"/>
+            <a:ext cx="3860800" cy="365125"/>
           </a:xfrm>
           <a:prstGeom prst="rect">
             <a:avLst/>
@@ -2755,8 +2771,8 @@
         </p:nvSpPr>
         <p:spPr>
           <a:xfrm>
-            <a:off x="6553200" y="6356350"/>
-            <a:ext cx="2133600" cy="365125"/>
+            <a:off x="8737600" y="6356351"/>
+            <a:ext cx="2844800" cy="365125"/>
           </a:xfrm>
           <a:prstGeom prst="rect">
             <a:avLst/>
@@ -3130,7 +3146,7 @@
               <a:t>活著為</a:t>
             </a:r>
             <a:r>
-              <a:rPr lang="zh-TW" altLang="en-US" sz="5400" b="1" dirty="0" smtClean="0">
+              <a:rPr lang="zh-TW" altLang="en-US" sz="5400" b="1" dirty="0">
                 <a:solidFill>
                   <a:srgbClr val="000066"/>
                 </a:solidFill>
@@ -3139,7 +3155,7 @@
               </a:rPr>
               <a:t>耶穌  真平安</a:t>
             </a:r>
-            <a:endParaRPr lang="en-US" altLang="zh-TW" sz="5400" b="1" dirty="0" smtClean="0">
+            <a:endParaRPr lang="en-US" altLang="zh-TW" sz="5400" b="1" dirty="0">
               <a:solidFill>
                 <a:srgbClr val="000066"/>
               </a:solidFill>
@@ -3152,7 +3168,7 @@
               <a:buNone/>
             </a:pPr>
             <a:r>
-              <a:rPr lang="zh-TW" altLang="en-US" sz="5400" b="1" dirty="0" smtClean="0">
+              <a:rPr lang="zh-TW" altLang="en-US" sz="5400" b="1" dirty="0">
                 <a:solidFill>
                   <a:srgbClr val="000066"/>
                 </a:solidFill>
@@ -3172,7 +3188,7 @@
               <a:t>之</a:t>
             </a:r>
             <a:r>
-              <a:rPr lang="zh-TW" altLang="en-US" sz="5400" b="1" dirty="0" smtClean="0">
+              <a:rPr lang="zh-TW" altLang="en-US" sz="5400" b="1" dirty="0">
                 <a:solidFill>
                   <a:srgbClr val="000066"/>
                 </a:solidFill>
@@ -3181,7 +3197,7 @@
               </a:rPr>
               <a:t>江河  永不乾</a:t>
             </a:r>
-            <a:endParaRPr lang="en-US" altLang="zh-TW" sz="5400" b="1" dirty="0" smtClean="0">
+            <a:endParaRPr lang="en-US" altLang="zh-TW" sz="5400" b="1" dirty="0">
               <a:solidFill>
                 <a:srgbClr val="000066"/>
               </a:solidFill>
@@ -3194,7 +3210,7 @@
               <a:buNone/>
             </a:pPr>
             <a:r>
-              <a:rPr lang="zh-TW" altLang="en-US" sz="5400" b="1" dirty="0" smtClean="0">
+              <a:rPr lang="zh-TW" altLang="en-US" sz="5400" b="1" dirty="0">
                 <a:solidFill>
                   <a:srgbClr val="000066"/>
                 </a:solidFill>
@@ -3214,7 +3230,7 @@
               <a:t>煉雖</a:t>
             </a:r>
             <a:r>
-              <a:rPr lang="zh-TW" altLang="en-US" sz="5400" b="1" dirty="0" smtClean="0">
+              <a:rPr lang="zh-TW" altLang="en-US" sz="5400" b="1" dirty="0">
                 <a:solidFill>
                   <a:srgbClr val="000066"/>
                 </a:solidFill>
@@ -3234,7 +3250,7 @@
               <a:t>不</a:t>
             </a:r>
             <a:r>
-              <a:rPr lang="zh-TW" altLang="en-US" sz="5400" b="1" dirty="0" smtClean="0">
+              <a:rPr lang="zh-TW" altLang="en-US" sz="5400" b="1" dirty="0">
                 <a:solidFill>
                   <a:srgbClr val="000066"/>
                 </a:solidFill>
@@ -3243,7 +3259,7 @@
               </a:rPr>
               <a:t>慌</a:t>
             </a:r>
-            <a:endParaRPr lang="en-US" altLang="zh-TW" sz="5400" b="1" dirty="0" smtClean="0">
+            <a:endParaRPr lang="en-US" altLang="zh-TW" sz="5400" b="1" dirty="0">
               <a:solidFill>
                 <a:srgbClr val="000066"/>
               </a:solidFill>
@@ -3256,7 +3272,7 @@
               <a:buNone/>
             </a:pPr>
             <a:r>
-              <a:rPr lang="zh-TW" altLang="en-US" sz="5400" b="1" dirty="0" smtClean="0">
+              <a:rPr lang="zh-TW" altLang="en-US" sz="5400" b="1" dirty="0">
                 <a:solidFill>
                   <a:srgbClr val="000066"/>
                 </a:solidFill>
@@ -3276,7 +3292,7 @@
               <a:t>為</a:t>
             </a:r>
             <a:r>
-              <a:rPr lang="zh-TW" altLang="en-US" sz="5400" b="1" dirty="0" smtClean="0">
+              <a:rPr lang="zh-TW" altLang="en-US" sz="5400" b="1" dirty="0">
                 <a:solidFill>
                   <a:srgbClr val="000066"/>
                 </a:solidFill>
@@ -3382,49 +3398,7 @@
               <a:t>求主助我多事奉</a:t>
             </a:r>
             <a:r>
-              <a:rPr lang="zh-TW" altLang="en-US" sz="5400" b="1" dirty="0" smtClean="0">
-                <a:solidFill>
-                  <a:srgbClr val="000066"/>
-                </a:solidFill>
-                <a:latin typeface="微軟正黑體" pitchFamily="34" charset="-120"/>
-                <a:ea typeface="微軟正黑體" pitchFamily="34" charset="-120"/>
-              </a:rPr>
-              <a:t>你</a:t>
-            </a:r>
-            <a:endParaRPr lang="en-US" altLang="zh-TW" sz="5400" b="1" dirty="0" smtClean="0">
-              <a:solidFill>
-                <a:srgbClr val="000066"/>
-              </a:solidFill>
-              <a:latin typeface="微軟正黑體" pitchFamily="34" charset="-120"/>
-              <a:ea typeface="微軟正黑體" pitchFamily="34" charset="-120"/>
-            </a:endParaRPr>
-          </a:p>
-          <a:p>
-            <a:pPr algn="ctr">
-              <a:buNone/>
-            </a:pPr>
-            <a:r>
-              <a:rPr lang="zh-TW" altLang="en-US" sz="5400" b="1" dirty="0" smtClean="0">
-                <a:solidFill>
-                  <a:srgbClr val="000066"/>
-                </a:solidFill>
-                <a:latin typeface="微軟正黑體" pitchFamily="34" charset="-120"/>
-                <a:ea typeface="微軟正黑體" pitchFamily="34" charset="-120"/>
-              </a:rPr>
-              <a:t>求</a:t>
-            </a:r>
-            <a:r>
-              <a:rPr lang="zh-TW" altLang="en-US" sz="5400" b="1" dirty="0">
-                <a:solidFill>
-                  <a:srgbClr val="000066"/>
-                </a:solidFill>
-                <a:latin typeface="微軟正黑體" pitchFamily="34" charset="-120"/>
-                <a:ea typeface="微軟正黑體" pitchFamily="34" charset="-120"/>
-              </a:rPr>
-              <a:t>主助我多讚美</a:t>
-            </a:r>
-            <a:r>
-              <a:rPr lang="zh-TW" altLang="en-US" sz="5400" b="1" dirty="0" smtClean="0">
+              <a:rPr lang="zh-TW" altLang="en-US" sz="5400" b="1" dirty="0">
                 <a:solidFill>
                   <a:srgbClr val="000066"/>
                 </a:solidFill>
@@ -3446,36 +3420,36 @@
               <a:buNone/>
             </a:pPr>
             <a:r>
-              <a:rPr lang="zh-TW" altLang="en-US" sz="5400" b="1" dirty="0" smtClean="0">
-                <a:solidFill>
-                  <a:srgbClr val="000066"/>
-                </a:solidFill>
-                <a:latin typeface="微軟正黑體" pitchFamily="34" charset="-120"/>
-                <a:ea typeface="微軟正黑體" pitchFamily="34" charset="-120"/>
-              </a:rPr>
-              <a:t>使</a:t>
-            </a:r>
-            <a:r>
-              <a:rPr lang="zh-TW" altLang="en-US" sz="5400" b="1" dirty="0">
-                <a:solidFill>
-                  <a:srgbClr val="000066"/>
-                </a:solidFill>
-                <a:latin typeface="微軟正黑體" pitchFamily="34" charset="-120"/>
-                <a:ea typeface="微軟正黑體" pitchFamily="34" charset="-120"/>
-              </a:rPr>
-              <a:t>我活在主慈愛</a:t>
-            </a:r>
-            <a:r>
-              <a:rPr lang="zh-TW" altLang="en-US" sz="5400" b="1" dirty="0" smtClean="0">
-                <a:solidFill>
-                  <a:srgbClr val="000066"/>
-                </a:solidFill>
-                <a:latin typeface="微軟正黑體" pitchFamily="34" charset="-120"/>
-                <a:ea typeface="微軟正黑體" pitchFamily="34" charset="-120"/>
-              </a:rPr>
-              <a:t>裡</a:t>
-            </a:r>
-            <a:endParaRPr lang="en-US" altLang="zh-TW" sz="5400" b="1" dirty="0" smtClean="0">
+              <a:rPr lang="zh-TW" altLang="en-US" sz="5400" b="1" dirty="0">
+                <a:solidFill>
+                  <a:srgbClr val="000066"/>
+                </a:solidFill>
+                <a:latin typeface="微軟正黑體" pitchFamily="34" charset="-120"/>
+                <a:ea typeface="微軟正黑體" pitchFamily="34" charset="-120"/>
+              </a:rPr>
+              <a:t>求</a:t>
+            </a:r>
+            <a:r>
+              <a:rPr lang="zh-TW" altLang="en-US" sz="5400" b="1" dirty="0">
+                <a:solidFill>
+                  <a:srgbClr val="000066"/>
+                </a:solidFill>
+                <a:latin typeface="微軟正黑體" pitchFamily="34" charset="-120"/>
+                <a:ea typeface="微軟正黑體" pitchFamily="34" charset="-120"/>
+              </a:rPr>
+              <a:t>主助我多讚美</a:t>
+            </a:r>
+            <a:r>
+              <a:rPr lang="zh-TW" altLang="en-US" sz="5400" b="1" dirty="0">
+                <a:solidFill>
+                  <a:srgbClr val="000066"/>
+                </a:solidFill>
+                <a:latin typeface="微軟正黑體" pitchFamily="34" charset="-120"/>
+                <a:ea typeface="微軟正黑體" pitchFamily="34" charset="-120"/>
+              </a:rPr>
+              <a:t>你</a:t>
+            </a:r>
+            <a:endParaRPr lang="en-US" altLang="zh-TW" sz="5400" b="1" dirty="0">
               <a:solidFill>
                 <a:srgbClr val="000066"/>
               </a:solidFill>
@@ -3488,7 +3462,49 @@
               <a:buNone/>
             </a:pPr>
             <a:r>
-              <a:rPr lang="zh-TW" altLang="en-US" sz="5400" b="1" dirty="0" smtClean="0">
+              <a:rPr lang="zh-TW" altLang="en-US" sz="5400" b="1" dirty="0">
+                <a:solidFill>
+                  <a:srgbClr val="000066"/>
+                </a:solidFill>
+                <a:latin typeface="微軟正黑體" pitchFamily="34" charset="-120"/>
+                <a:ea typeface="微軟正黑體" pitchFamily="34" charset="-120"/>
+              </a:rPr>
+              <a:t>使</a:t>
+            </a:r>
+            <a:r>
+              <a:rPr lang="zh-TW" altLang="en-US" sz="5400" b="1" dirty="0">
+                <a:solidFill>
+                  <a:srgbClr val="000066"/>
+                </a:solidFill>
+                <a:latin typeface="微軟正黑體" pitchFamily="34" charset="-120"/>
+                <a:ea typeface="微軟正黑體" pitchFamily="34" charset="-120"/>
+              </a:rPr>
+              <a:t>我活在主慈愛</a:t>
+            </a:r>
+            <a:r>
+              <a:rPr lang="zh-TW" altLang="en-US" sz="5400" b="1" dirty="0">
+                <a:solidFill>
+                  <a:srgbClr val="000066"/>
+                </a:solidFill>
+                <a:latin typeface="微軟正黑體" pitchFamily="34" charset="-120"/>
+                <a:ea typeface="微軟正黑體" pitchFamily="34" charset="-120"/>
+              </a:rPr>
+              <a:t>裡</a:t>
+            </a:r>
+            <a:endParaRPr lang="en-US" altLang="zh-TW" sz="5400" b="1" dirty="0">
+              <a:solidFill>
+                <a:srgbClr val="000066"/>
+              </a:solidFill>
+              <a:latin typeface="微軟正黑體" pitchFamily="34" charset="-120"/>
+              <a:ea typeface="微軟正黑體" pitchFamily="34" charset="-120"/>
+            </a:endParaRPr>
+          </a:p>
+          <a:p>
+            <a:pPr algn="ctr">
+              <a:buNone/>
+            </a:pPr>
+            <a:r>
+              <a:rPr lang="zh-TW" altLang="en-US" sz="5400" b="1" dirty="0">
                 <a:solidFill>
                   <a:srgbClr val="000066"/>
                 </a:solidFill>
@@ -3594,7 +3610,7 @@
               <a:t>活著為</a:t>
             </a:r>
             <a:r>
-              <a:rPr lang="zh-TW" altLang="en-US" sz="5400" b="1" dirty="0" smtClean="0">
+              <a:rPr lang="zh-TW" altLang="en-US" sz="5400" b="1" dirty="0">
                 <a:solidFill>
                   <a:srgbClr val="000066"/>
                 </a:solidFill>
@@ -3603,7 +3619,7 @@
               </a:rPr>
               <a:t>耶穌  真安息</a:t>
             </a:r>
-            <a:endParaRPr lang="en-US" altLang="zh-TW" sz="5400" b="1" dirty="0" smtClean="0">
+            <a:endParaRPr lang="en-US" altLang="zh-TW" sz="5400" b="1" dirty="0">
               <a:solidFill>
                 <a:srgbClr val="000066"/>
               </a:solidFill>
@@ -3616,7 +3632,7 @@
               <a:buNone/>
             </a:pPr>
             <a:r>
-              <a:rPr lang="zh-TW" altLang="en-US" sz="5400" b="1" dirty="0" smtClean="0">
+              <a:rPr lang="zh-TW" altLang="en-US" sz="5400" b="1" dirty="0">
                 <a:solidFill>
                   <a:srgbClr val="000066"/>
                 </a:solidFill>
@@ -3636,7 +3652,7 @@
               <a:t>我主</a:t>
             </a:r>
             <a:r>
-              <a:rPr lang="zh-TW" altLang="en-US" sz="5400" b="1" dirty="0" smtClean="0">
+              <a:rPr lang="zh-TW" altLang="en-US" sz="5400" b="1" dirty="0">
                 <a:solidFill>
                   <a:srgbClr val="000066"/>
                 </a:solidFill>
@@ -3656,7 +3672,7 @@
               <a:t>滿</a:t>
             </a:r>
             <a:r>
-              <a:rPr lang="zh-TW" altLang="en-US" sz="5400" b="1" dirty="0" smtClean="0">
+              <a:rPr lang="zh-TW" altLang="en-US" sz="5400" b="1" dirty="0">
                 <a:solidFill>
                   <a:srgbClr val="000066"/>
                 </a:solidFill>
@@ -3665,7 +3681,7 @@
               </a:rPr>
               <a:t>溢</a:t>
             </a:r>
-            <a:endParaRPr lang="en-US" altLang="zh-TW" sz="5400" b="1" dirty="0" smtClean="0">
+            <a:endParaRPr lang="en-US" altLang="zh-TW" sz="5400" b="1" dirty="0">
               <a:solidFill>
                 <a:srgbClr val="000066"/>
               </a:solidFill>
@@ -3678,7 +3694,7 @@
               <a:buNone/>
             </a:pPr>
             <a:r>
-              <a:rPr lang="zh-TW" altLang="en-US" sz="5400" b="1" dirty="0" smtClean="0">
+              <a:rPr lang="zh-TW" altLang="en-US" sz="5400" b="1" dirty="0">
                 <a:solidFill>
                   <a:srgbClr val="000066"/>
                 </a:solidFill>
@@ -3698,7 +3714,7 @@
               <a:t>為主</a:t>
             </a:r>
             <a:r>
-              <a:rPr lang="zh-TW" altLang="en-US" sz="5400" b="1" dirty="0" smtClean="0">
+              <a:rPr lang="zh-TW" altLang="en-US" sz="5400" b="1" dirty="0">
                 <a:solidFill>
                   <a:srgbClr val="000066"/>
                 </a:solidFill>
@@ -3718,7 +3734,7 @@
               <a:t>主</a:t>
             </a:r>
             <a:r>
-              <a:rPr lang="zh-TW" altLang="en-US" sz="5400" b="1" dirty="0" smtClean="0">
+              <a:rPr lang="zh-TW" altLang="en-US" sz="5400" b="1" dirty="0">
                 <a:solidFill>
                   <a:srgbClr val="000066"/>
                 </a:solidFill>
@@ -3727,7 +3743,7 @@
               </a:rPr>
               <a:t>令</a:t>
             </a:r>
-            <a:endParaRPr lang="en-US" altLang="zh-TW" sz="5400" b="1" dirty="0" smtClean="0">
+            <a:endParaRPr lang="en-US" altLang="zh-TW" sz="5400" b="1" dirty="0">
               <a:solidFill>
                 <a:srgbClr val="000066"/>
               </a:solidFill>
@@ -3740,7 +3756,7 @@
               <a:buNone/>
             </a:pPr>
             <a:r>
-              <a:rPr lang="zh-TW" altLang="en-US" sz="5400" b="1" dirty="0" smtClean="0">
+              <a:rPr lang="zh-TW" altLang="en-US" sz="5400" b="1" dirty="0">
                 <a:solidFill>
                   <a:srgbClr val="000066"/>
                 </a:solidFill>
@@ -3846,49 +3862,7 @@
               <a:t>求主助我多事奉</a:t>
             </a:r>
             <a:r>
-              <a:rPr lang="zh-TW" altLang="en-US" sz="5400" b="1" dirty="0" smtClean="0">
-                <a:solidFill>
-                  <a:srgbClr val="000066"/>
-                </a:solidFill>
-                <a:latin typeface="微軟正黑體" pitchFamily="34" charset="-120"/>
-                <a:ea typeface="微軟正黑體" pitchFamily="34" charset="-120"/>
-              </a:rPr>
-              <a:t>你</a:t>
-            </a:r>
-            <a:endParaRPr lang="en-US" altLang="zh-TW" sz="5400" b="1" dirty="0" smtClean="0">
-              <a:solidFill>
-                <a:srgbClr val="000066"/>
-              </a:solidFill>
-              <a:latin typeface="微軟正黑體" pitchFamily="34" charset="-120"/>
-              <a:ea typeface="微軟正黑體" pitchFamily="34" charset="-120"/>
-            </a:endParaRPr>
-          </a:p>
-          <a:p>
-            <a:pPr algn="ctr">
-              <a:buNone/>
-            </a:pPr>
-            <a:r>
-              <a:rPr lang="zh-TW" altLang="en-US" sz="5400" b="1" dirty="0" smtClean="0">
-                <a:solidFill>
-                  <a:srgbClr val="000066"/>
-                </a:solidFill>
-                <a:latin typeface="微軟正黑體" pitchFamily="34" charset="-120"/>
-                <a:ea typeface="微軟正黑體" pitchFamily="34" charset="-120"/>
-              </a:rPr>
-              <a:t>求</a:t>
-            </a:r>
-            <a:r>
-              <a:rPr lang="zh-TW" altLang="en-US" sz="5400" b="1" dirty="0">
-                <a:solidFill>
-                  <a:srgbClr val="000066"/>
-                </a:solidFill>
-                <a:latin typeface="微軟正黑體" pitchFamily="34" charset="-120"/>
-                <a:ea typeface="微軟正黑體" pitchFamily="34" charset="-120"/>
-              </a:rPr>
-              <a:t>主助我多讚美</a:t>
-            </a:r>
-            <a:r>
-              <a:rPr lang="zh-TW" altLang="en-US" sz="5400" b="1" dirty="0" smtClean="0">
+              <a:rPr lang="zh-TW" altLang="en-US" sz="5400" b="1" dirty="0">
                 <a:solidFill>
                   <a:srgbClr val="000066"/>
                 </a:solidFill>
@@ -3910,36 +3884,36 @@
               <a:buNone/>
             </a:pPr>
             <a:r>
-              <a:rPr lang="zh-TW" altLang="en-US" sz="5400" b="1" dirty="0" smtClean="0">
-                <a:solidFill>
-                  <a:srgbClr val="000066"/>
-                </a:solidFill>
-                <a:latin typeface="微軟正黑體" pitchFamily="34" charset="-120"/>
-                <a:ea typeface="微軟正黑體" pitchFamily="34" charset="-120"/>
-              </a:rPr>
-              <a:t>使</a:t>
-            </a:r>
-            <a:r>
-              <a:rPr lang="zh-TW" altLang="en-US" sz="5400" b="1" dirty="0">
-                <a:solidFill>
-                  <a:srgbClr val="000066"/>
-                </a:solidFill>
-                <a:latin typeface="微軟正黑體" pitchFamily="34" charset="-120"/>
-                <a:ea typeface="微軟正黑體" pitchFamily="34" charset="-120"/>
-              </a:rPr>
-              <a:t>我活在主慈愛</a:t>
-            </a:r>
-            <a:r>
-              <a:rPr lang="zh-TW" altLang="en-US" sz="5400" b="1" dirty="0" smtClean="0">
-                <a:solidFill>
-                  <a:srgbClr val="000066"/>
-                </a:solidFill>
-                <a:latin typeface="微軟正黑體" pitchFamily="34" charset="-120"/>
-                <a:ea typeface="微軟正黑體" pitchFamily="34" charset="-120"/>
-              </a:rPr>
-              <a:t>裡</a:t>
-            </a:r>
-            <a:endParaRPr lang="en-US" altLang="zh-TW" sz="5400" b="1" dirty="0" smtClean="0">
+              <a:rPr lang="zh-TW" altLang="en-US" sz="5400" b="1" dirty="0">
+                <a:solidFill>
+                  <a:srgbClr val="000066"/>
+                </a:solidFill>
+                <a:latin typeface="微軟正黑體" pitchFamily="34" charset="-120"/>
+                <a:ea typeface="微軟正黑體" pitchFamily="34" charset="-120"/>
+              </a:rPr>
+              <a:t>求</a:t>
+            </a:r>
+            <a:r>
+              <a:rPr lang="zh-TW" altLang="en-US" sz="5400" b="1" dirty="0">
+                <a:solidFill>
+                  <a:srgbClr val="000066"/>
+                </a:solidFill>
+                <a:latin typeface="微軟正黑體" pitchFamily="34" charset="-120"/>
+                <a:ea typeface="微軟正黑體" pitchFamily="34" charset="-120"/>
+              </a:rPr>
+              <a:t>主助我多讚美</a:t>
+            </a:r>
+            <a:r>
+              <a:rPr lang="zh-TW" altLang="en-US" sz="5400" b="1" dirty="0">
+                <a:solidFill>
+                  <a:srgbClr val="000066"/>
+                </a:solidFill>
+                <a:latin typeface="微軟正黑體" pitchFamily="34" charset="-120"/>
+                <a:ea typeface="微軟正黑體" pitchFamily="34" charset="-120"/>
+              </a:rPr>
+              <a:t>你</a:t>
+            </a:r>
+            <a:endParaRPr lang="en-US" altLang="zh-TW" sz="5400" b="1" dirty="0">
               <a:solidFill>
                 <a:srgbClr val="000066"/>
               </a:solidFill>
@@ -3952,7 +3926,49 @@
               <a:buNone/>
             </a:pPr>
             <a:r>
-              <a:rPr lang="zh-TW" altLang="en-US" sz="5400" b="1" dirty="0" smtClean="0">
+              <a:rPr lang="zh-TW" altLang="en-US" sz="5400" b="1" dirty="0">
+                <a:solidFill>
+                  <a:srgbClr val="000066"/>
+                </a:solidFill>
+                <a:latin typeface="微軟正黑體" pitchFamily="34" charset="-120"/>
+                <a:ea typeface="微軟正黑體" pitchFamily="34" charset="-120"/>
+              </a:rPr>
+              <a:t>使</a:t>
+            </a:r>
+            <a:r>
+              <a:rPr lang="zh-TW" altLang="en-US" sz="5400" b="1" dirty="0">
+                <a:solidFill>
+                  <a:srgbClr val="000066"/>
+                </a:solidFill>
+                <a:latin typeface="微軟正黑體" pitchFamily="34" charset="-120"/>
+                <a:ea typeface="微軟正黑體" pitchFamily="34" charset="-120"/>
+              </a:rPr>
+              <a:t>我活在主慈愛</a:t>
+            </a:r>
+            <a:r>
+              <a:rPr lang="zh-TW" altLang="en-US" sz="5400" b="1" dirty="0">
+                <a:solidFill>
+                  <a:srgbClr val="000066"/>
+                </a:solidFill>
+                <a:latin typeface="微軟正黑體" pitchFamily="34" charset="-120"/>
+                <a:ea typeface="微軟正黑體" pitchFamily="34" charset="-120"/>
+              </a:rPr>
+              <a:t>裡</a:t>
+            </a:r>
+            <a:endParaRPr lang="en-US" altLang="zh-TW" sz="5400" b="1" dirty="0">
+              <a:solidFill>
+                <a:srgbClr val="000066"/>
+              </a:solidFill>
+              <a:latin typeface="微軟正黑體" pitchFamily="34" charset="-120"/>
+              <a:ea typeface="微軟正黑體" pitchFamily="34" charset="-120"/>
+            </a:endParaRPr>
+          </a:p>
+          <a:p>
+            <a:pPr algn="ctr">
+              <a:buNone/>
+            </a:pPr>
+            <a:r>
+              <a:rPr lang="zh-TW" altLang="en-US" sz="5400" b="1" dirty="0">
                 <a:solidFill>
                   <a:srgbClr val="000066"/>
                 </a:solidFill>

--- a/(青年聖歌I110)活著為耶穌.pptx
+++ b/(青年聖歌I110)活著為耶穌.pptx
@@ -109,7 +109,7 @@
   </p:defaultTextStyle>
   <p:extLst>
     <p:ext uri="{EFAFB233-063F-42B5-8137-9DF3F51BA10A}">
-      <p15:sldGuideLst xmlns:p15="http://schemas.microsoft.com/office/powerpoint/2012/main">
+      <p15:sldGuideLst xmlns:p15="http://schemas.microsoft.com/office/powerpoint/2012/main" xmlns="">
         <p15:guide id="1" orient="horz" pos="2160" userDrawn="1">
           <p15:clr>
             <a:srgbClr val="A4A3A4"/>
@@ -308,7 +308,7 @@
             <a:fld id="{56B17361-AFF9-4A50-8FA1-CCBB1A96AC9B}" type="datetimeFigureOut">
               <a:rPr lang="zh-TW" altLang="en-US" smtClean="0"/>
               <a:pPr/>
-              <a:t>2020/1/4</a:t>
+              <a:t>2020/1/16</a:t>
             </a:fld>
             <a:endParaRPr lang="zh-TW" altLang="en-US"/>
           </a:p>
@@ -475,7 +475,7 @@
             <a:fld id="{56B17361-AFF9-4A50-8FA1-CCBB1A96AC9B}" type="datetimeFigureOut">
               <a:rPr lang="zh-TW" altLang="en-US" smtClean="0"/>
               <a:pPr/>
-              <a:t>2020/1/4</a:t>
+              <a:t>2020/1/16</a:t>
             </a:fld>
             <a:endParaRPr lang="zh-TW" altLang="en-US"/>
           </a:p>
@@ -652,7 +652,7 @@
             <a:fld id="{56B17361-AFF9-4A50-8FA1-CCBB1A96AC9B}" type="datetimeFigureOut">
               <a:rPr lang="zh-TW" altLang="en-US" smtClean="0"/>
               <a:pPr/>
-              <a:t>2020/1/4</a:t>
+              <a:t>2020/1/16</a:t>
             </a:fld>
             <a:endParaRPr lang="zh-TW" altLang="en-US"/>
           </a:p>
@@ -819,7 +819,7 @@
             <a:fld id="{56B17361-AFF9-4A50-8FA1-CCBB1A96AC9B}" type="datetimeFigureOut">
               <a:rPr lang="zh-TW" altLang="en-US" smtClean="0"/>
               <a:pPr/>
-              <a:t>2020/1/4</a:t>
+              <a:t>2020/1/16</a:t>
             </a:fld>
             <a:endParaRPr lang="zh-TW" altLang="en-US"/>
           </a:p>
@@ -1062,7 +1062,7 @@
             <a:fld id="{56B17361-AFF9-4A50-8FA1-CCBB1A96AC9B}" type="datetimeFigureOut">
               <a:rPr lang="zh-TW" altLang="en-US" smtClean="0"/>
               <a:pPr/>
-              <a:t>2020/1/4</a:t>
+              <a:t>2020/1/16</a:t>
             </a:fld>
             <a:endParaRPr lang="zh-TW" altLang="en-US"/>
           </a:p>
@@ -1347,7 +1347,7 @@
             <a:fld id="{56B17361-AFF9-4A50-8FA1-CCBB1A96AC9B}" type="datetimeFigureOut">
               <a:rPr lang="zh-TW" altLang="en-US" smtClean="0"/>
               <a:pPr/>
-              <a:t>2020/1/4</a:t>
+              <a:t>2020/1/16</a:t>
             </a:fld>
             <a:endParaRPr lang="zh-TW" altLang="en-US"/>
           </a:p>
@@ -1766,7 +1766,7 @@
             <a:fld id="{56B17361-AFF9-4A50-8FA1-CCBB1A96AC9B}" type="datetimeFigureOut">
               <a:rPr lang="zh-TW" altLang="en-US" smtClean="0"/>
               <a:pPr/>
-              <a:t>2020/1/4</a:t>
+              <a:t>2020/1/16</a:t>
             </a:fld>
             <a:endParaRPr lang="zh-TW" altLang="en-US"/>
           </a:p>
@@ -1881,7 +1881,7 @@
             <a:fld id="{56B17361-AFF9-4A50-8FA1-CCBB1A96AC9B}" type="datetimeFigureOut">
               <a:rPr lang="zh-TW" altLang="en-US" smtClean="0"/>
               <a:pPr/>
-              <a:t>2020/1/4</a:t>
+              <a:t>2020/1/16</a:t>
             </a:fld>
             <a:endParaRPr lang="zh-TW" altLang="en-US"/>
           </a:p>
@@ -1973,7 +1973,7 @@
             <a:fld id="{56B17361-AFF9-4A50-8FA1-CCBB1A96AC9B}" type="datetimeFigureOut">
               <a:rPr lang="zh-TW" altLang="en-US" smtClean="0"/>
               <a:pPr/>
-              <a:t>2020/1/4</a:t>
+              <a:t>2020/1/16</a:t>
             </a:fld>
             <a:endParaRPr lang="zh-TW" altLang="en-US"/>
           </a:p>
@@ -2247,7 +2247,7 @@
             <a:fld id="{56B17361-AFF9-4A50-8FA1-CCBB1A96AC9B}" type="datetimeFigureOut">
               <a:rPr lang="zh-TW" altLang="en-US" smtClean="0"/>
               <a:pPr/>
-              <a:t>2020/1/4</a:t>
+              <a:t>2020/1/16</a:t>
             </a:fld>
             <a:endParaRPr lang="zh-TW" altLang="en-US"/>
           </a:p>
@@ -2501,7 +2501,7 @@
             <a:fld id="{56B17361-AFF9-4A50-8FA1-CCBB1A96AC9B}" type="datetimeFigureOut">
               <a:rPr lang="zh-TW" altLang="en-US" smtClean="0"/>
               <a:pPr/>
-              <a:t>2020/1/4</a:t>
+              <a:t>2020/1/16</a:t>
             </a:fld>
             <a:endParaRPr lang="zh-TW" altLang="en-US"/>
           </a:p>
@@ -2716,7 +2716,7 @@
             <a:fld id="{56B17361-AFF9-4A50-8FA1-CCBB1A96AC9B}" type="datetimeFigureOut">
               <a:rPr lang="zh-TW" altLang="en-US" smtClean="0"/>
               <a:pPr/>
-              <a:t>2020/1/4</a:t>
+              <a:t>2020/1/16</a:t>
             </a:fld>
             <a:endParaRPr lang="zh-TW" altLang="en-US"/>
           </a:p>
@@ -3136,26 +3136,16 @@
               <a:buNone/>
             </a:pPr>
             <a:r>
-              <a:rPr lang="zh-TW" altLang="en-US" sz="5400" b="1" dirty="0">
+              <a:rPr lang="zh-TW" altLang="en-US" sz="6000" b="1" dirty="0">
                 <a:solidFill>
                   <a:srgbClr val="000066"/>
                 </a:solidFill>
                 <a:latin typeface="微軟正黑體" pitchFamily="34" charset="-120"/>
                 <a:ea typeface="微軟正黑體" pitchFamily="34" charset="-120"/>
               </a:rPr>
-              <a:t>活著為</a:t>
-            </a:r>
-            <a:r>
-              <a:rPr lang="zh-TW" altLang="en-US" sz="5400" b="1" dirty="0">
-                <a:solidFill>
-                  <a:srgbClr val="000066"/>
-                </a:solidFill>
-                <a:latin typeface="微軟正黑體" pitchFamily="34" charset="-120"/>
-                <a:ea typeface="微軟正黑體" pitchFamily="34" charset="-120"/>
-              </a:rPr>
-              <a:t>耶穌  真平安</a:t>
-            </a:r>
-            <a:endParaRPr lang="en-US" altLang="zh-TW" sz="5400" b="1" dirty="0">
+              <a:t>活著為耶穌  真平安</a:t>
+            </a:r>
+            <a:endParaRPr lang="en-US" altLang="zh-TW" sz="6000" b="1" dirty="0">
               <a:solidFill>
                 <a:srgbClr val="000066"/>
               </a:solidFill>
@@ -3168,36 +3158,16 @@
               <a:buNone/>
             </a:pPr>
             <a:r>
-              <a:rPr lang="zh-TW" altLang="en-US" sz="5400" b="1" dirty="0">
+              <a:rPr lang="zh-TW" altLang="en-US" sz="6000" b="1" dirty="0">
                 <a:solidFill>
                   <a:srgbClr val="000066"/>
                 </a:solidFill>
                 <a:latin typeface="微軟正黑體" pitchFamily="34" charset="-120"/>
                 <a:ea typeface="微軟正黑體" pitchFamily="34" charset="-120"/>
               </a:rPr>
-              <a:t>喜樂</a:t>
-            </a:r>
-            <a:r>
-              <a:rPr lang="zh-TW" altLang="en-US" sz="5400" b="1" dirty="0">
-                <a:solidFill>
-                  <a:srgbClr val="000066"/>
-                </a:solidFill>
-                <a:latin typeface="微軟正黑體" pitchFamily="34" charset="-120"/>
-                <a:ea typeface="微軟正黑體" pitchFamily="34" charset="-120"/>
-              </a:rPr>
-              <a:t>之</a:t>
-            </a:r>
-            <a:r>
-              <a:rPr lang="zh-TW" altLang="en-US" sz="5400" b="1" dirty="0">
-                <a:solidFill>
-                  <a:srgbClr val="000066"/>
-                </a:solidFill>
-                <a:latin typeface="微軟正黑體" pitchFamily="34" charset="-120"/>
-                <a:ea typeface="微軟正黑體" pitchFamily="34" charset="-120"/>
-              </a:rPr>
-              <a:t>江河  永不乾</a:t>
-            </a:r>
-            <a:endParaRPr lang="en-US" altLang="zh-TW" sz="5400" b="1" dirty="0">
+              <a:t>喜樂之江河  永不乾</a:t>
+            </a:r>
+            <a:endParaRPr lang="en-US" altLang="zh-TW" sz="6000" b="1" dirty="0">
               <a:solidFill>
                 <a:srgbClr val="000066"/>
               </a:solidFill>
@@ -3210,56 +3180,16 @@
               <a:buNone/>
             </a:pPr>
             <a:r>
-              <a:rPr lang="zh-TW" altLang="en-US" sz="5400" b="1" dirty="0">
+              <a:rPr lang="zh-TW" altLang="en-US" sz="6000" b="1" dirty="0">
                 <a:solidFill>
                   <a:srgbClr val="000066"/>
                 </a:solidFill>
                 <a:latin typeface="微軟正黑體" pitchFamily="34" charset="-120"/>
                 <a:ea typeface="微軟正黑體" pitchFamily="34" charset="-120"/>
               </a:rPr>
-              <a:t>試</a:t>
-            </a:r>
-            <a:r>
-              <a:rPr lang="zh-TW" altLang="en-US" sz="5400" b="1" dirty="0">
-                <a:solidFill>
-                  <a:srgbClr val="000066"/>
-                </a:solidFill>
-                <a:latin typeface="微軟正黑體" pitchFamily="34" charset="-120"/>
-                <a:ea typeface="微軟正黑體" pitchFamily="34" charset="-120"/>
-              </a:rPr>
-              <a:t>煉雖</a:t>
-            </a:r>
-            <a:r>
-              <a:rPr lang="zh-TW" altLang="en-US" sz="5400" b="1" dirty="0">
-                <a:solidFill>
-                  <a:srgbClr val="000066"/>
-                </a:solidFill>
-                <a:latin typeface="微軟正黑體" pitchFamily="34" charset="-120"/>
-                <a:ea typeface="微軟正黑體" pitchFamily="34" charset="-120"/>
-              </a:rPr>
-              <a:t>來臨  我</a:t>
-            </a:r>
-            <a:r>
-              <a:rPr lang="zh-TW" altLang="en-US" sz="5400" b="1" dirty="0">
-                <a:solidFill>
-                  <a:srgbClr val="000066"/>
-                </a:solidFill>
-                <a:latin typeface="微軟正黑體" pitchFamily="34" charset="-120"/>
-                <a:ea typeface="微軟正黑體" pitchFamily="34" charset="-120"/>
-              </a:rPr>
-              <a:t>不</a:t>
-            </a:r>
-            <a:r>
-              <a:rPr lang="zh-TW" altLang="en-US" sz="5400" b="1" dirty="0">
-                <a:solidFill>
-                  <a:srgbClr val="000066"/>
-                </a:solidFill>
-                <a:latin typeface="微軟正黑體" pitchFamily="34" charset="-120"/>
-                <a:ea typeface="微軟正黑體" pitchFamily="34" charset="-120"/>
-              </a:rPr>
-              <a:t>慌</a:t>
-            </a:r>
-            <a:endParaRPr lang="en-US" altLang="zh-TW" sz="5400" b="1" dirty="0">
+              <a:t>試煉雖來臨  我不慌</a:t>
+            </a:r>
+            <a:endParaRPr lang="en-US" altLang="zh-TW" sz="6000" b="1" dirty="0">
               <a:solidFill>
                 <a:srgbClr val="000066"/>
               </a:solidFill>
@@ -3272,44 +3202,14 @@
               <a:buNone/>
             </a:pPr>
             <a:r>
-              <a:rPr lang="zh-TW" altLang="en-US" sz="5400" b="1" dirty="0">
+              <a:rPr lang="zh-TW" altLang="en-US" sz="6000" b="1" dirty="0">
                 <a:solidFill>
                   <a:srgbClr val="000066"/>
                 </a:solidFill>
                 <a:latin typeface="微軟正黑體" pitchFamily="34" charset="-120"/>
                 <a:ea typeface="微軟正黑體" pitchFamily="34" charset="-120"/>
               </a:rPr>
-              <a:t>活著</a:t>
-            </a:r>
-            <a:r>
-              <a:rPr lang="zh-TW" altLang="en-US" sz="5400" b="1" dirty="0">
-                <a:solidFill>
-                  <a:srgbClr val="000066"/>
-                </a:solidFill>
-                <a:latin typeface="微軟正黑體" pitchFamily="34" charset="-120"/>
-                <a:ea typeface="微軟正黑體" pitchFamily="34" charset="-120"/>
-              </a:rPr>
-              <a:t>為</a:t>
-            </a:r>
-            <a:r>
-              <a:rPr lang="zh-TW" altLang="en-US" sz="5400" b="1" dirty="0">
-                <a:solidFill>
-                  <a:srgbClr val="000066"/>
-                </a:solidFill>
-                <a:latin typeface="微軟正黑體" pitchFamily="34" charset="-120"/>
-                <a:ea typeface="微軟正黑體" pitchFamily="34" charset="-120"/>
-              </a:rPr>
-              <a:t>耶穌  主</a:t>
-            </a:r>
-            <a:r>
-              <a:rPr lang="zh-TW" altLang="en-US" sz="5400" b="1" dirty="0">
-                <a:solidFill>
-                  <a:srgbClr val="000066"/>
-                </a:solidFill>
-                <a:latin typeface="微軟正黑體" pitchFamily="34" charset="-120"/>
-                <a:ea typeface="微軟正黑體" pitchFamily="34" charset="-120"/>
-              </a:rPr>
-              <a:t>在旁</a:t>
+              <a:t>活著為耶穌  主在旁</a:t>
             </a:r>
           </a:p>
         </p:txBody>
@@ -3319,6 +3219,13 @@
   <p:clrMapOvr>
     <a:masterClrMapping/>
   </p:clrMapOvr>
+  <p:timing>
+    <p:tnLst>
+      <p:par>
+        <p:cTn id="1" dur="indefinite" restart="never" nodeType="tmRoot"/>
+      </p:par>
+    </p:tnLst>
+  </p:timing>
 </p:sld>
 </file>
 
@@ -3388,26 +3295,16 @@
               <a:buNone/>
             </a:pPr>
             <a:r>
-              <a:rPr lang="zh-TW" altLang="en-US" sz="5400" b="1" dirty="0">
+              <a:rPr lang="zh-TW" altLang="en-US" sz="6000" b="1" dirty="0">
                 <a:solidFill>
                   <a:srgbClr val="000066"/>
                 </a:solidFill>
                 <a:latin typeface="微軟正黑體" pitchFamily="34" charset="-120"/>
                 <a:ea typeface="微軟正黑體" pitchFamily="34" charset="-120"/>
               </a:rPr>
-              <a:t>求主助我多事奉</a:t>
-            </a:r>
-            <a:r>
-              <a:rPr lang="zh-TW" altLang="en-US" sz="5400" b="1" dirty="0">
-                <a:solidFill>
-                  <a:srgbClr val="000066"/>
-                </a:solidFill>
-                <a:latin typeface="微軟正黑體" pitchFamily="34" charset="-120"/>
-                <a:ea typeface="微軟正黑體" pitchFamily="34" charset="-120"/>
-              </a:rPr>
-              <a:t>你</a:t>
-            </a:r>
-            <a:endParaRPr lang="en-US" altLang="zh-TW" sz="5400" b="1" dirty="0">
+              <a:t>求主助我多事奉你</a:t>
+            </a:r>
+            <a:endParaRPr lang="en-US" altLang="zh-TW" sz="6000" b="1" dirty="0">
               <a:solidFill>
                 <a:srgbClr val="000066"/>
               </a:solidFill>
@@ -3420,36 +3317,16 @@
               <a:buNone/>
             </a:pPr>
             <a:r>
-              <a:rPr lang="zh-TW" altLang="en-US" sz="5400" b="1" dirty="0">
+              <a:rPr lang="zh-TW" altLang="en-US" sz="6000" b="1" dirty="0">
                 <a:solidFill>
                   <a:srgbClr val="000066"/>
                 </a:solidFill>
                 <a:latin typeface="微軟正黑體" pitchFamily="34" charset="-120"/>
                 <a:ea typeface="微軟正黑體" pitchFamily="34" charset="-120"/>
               </a:rPr>
-              <a:t>求</a:t>
-            </a:r>
-            <a:r>
-              <a:rPr lang="zh-TW" altLang="en-US" sz="5400" b="1" dirty="0">
-                <a:solidFill>
-                  <a:srgbClr val="000066"/>
-                </a:solidFill>
-                <a:latin typeface="微軟正黑體" pitchFamily="34" charset="-120"/>
-                <a:ea typeface="微軟正黑體" pitchFamily="34" charset="-120"/>
-              </a:rPr>
-              <a:t>主助我多讚美</a:t>
-            </a:r>
-            <a:r>
-              <a:rPr lang="zh-TW" altLang="en-US" sz="5400" b="1" dirty="0">
-                <a:solidFill>
-                  <a:srgbClr val="000066"/>
-                </a:solidFill>
-                <a:latin typeface="微軟正黑體" pitchFamily="34" charset="-120"/>
-                <a:ea typeface="微軟正黑體" pitchFamily="34" charset="-120"/>
-              </a:rPr>
-              <a:t>你</a:t>
-            </a:r>
-            <a:endParaRPr lang="en-US" altLang="zh-TW" sz="5400" b="1" dirty="0">
+              <a:t>求主助我多讚美你</a:t>
+            </a:r>
+            <a:endParaRPr lang="en-US" altLang="zh-TW" sz="6000" b="1" dirty="0">
               <a:solidFill>
                 <a:srgbClr val="000066"/>
               </a:solidFill>
@@ -3462,36 +3339,16 @@
               <a:buNone/>
             </a:pPr>
             <a:r>
-              <a:rPr lang="zh-TW" altLang="en-US" sz="5400" b="1" dirty="0">
+              <a:rPr lang="zh-TW" altLang="en-US" sz="6000" b="1" dirty="0">
                 <a:solidFill>
                   <a:srgbClr val="000066"/>
                 </a:solidFill>
                 <a:latin typeface="微軟正黑體" pitchFamily="34" charset="-120"/>
                 <a:ea typeface="微軟正黑體" pitchFamily="34" charset="-120"/>
               </a:rPr>
-              <a:t>使</a:t>
-            </a:r>
-            <a:r>
-              <a:rPr lang="zh-TW" altLang="en-US" sz="5400" b="1" dirty="0">
-                <a:solidFill>
-                  <a:srgbClr val="000066"/>
-                </a:solidFill>
-                <a:latin typeface="微軟正黑體" pitchFamily="34" charset="-120"/>
-                <a:ea typeface="微軟正黑體" pitchFamily="34" charset="-120"/>
-              </a:rPr>
-              <a:t>我活在主慈愛</a:t>
-            </a:r>
-            <a:r>
-              <a:rPr lang="zh-TW" altLang="en-US" sz="5400" b="1" dirty="0">
-                <a:solidFill>
-                  <a:srgbClr val="000066"/>
-                </a:solidFill>
-                <a:latin typeface="微軟正黑體" pitchFamily="34" charset="-120"/>
-                <a:ea typeface="微軟正黑體" pitchFamily="34" charset="-120"/>
-              </a:rPr>
-              <a:t>裡</a:t>
-            </a:r>
-            <a:endParaRPr lang="en-US" altLang="zh-TW" sz="5400" b="1" dirty="0">
+              <a:t>使我活在主慈愛裡</a:t>
+            </a:r>
+            <a:endParaRPr lang="en-US" altLang="zh-TW" sz="6000" b="1" dirty="0">
               <a:solidFill>
                 <a:srgbClr val="000066"/>
               </a:solidFill>
@@ -3504,24 +3361,14 @@
               <a:buNone/>
             </a:pPr>
             <a:r>
-              <a:rPr lang="zh-TW" altLang="en-US" sz="5400" b="1" dirty="0">
+              <a:rPr lang="zh-TW" altLang="en-US" sz="6000" b="1" dirty="0">
                 <a:solidFill>
                   <a:srgbClr val="000066"/>
                 </a:solidFill>
                 <a:latin typeface="微軟正黑體" pitchFamily="34" charset="-120"/>
                 <a:ea typeface="微軟正黑體" pitchFamily="34" charset="-120"/>
               </a:rPr>
-              <a:t>永遠</a:t>
-            </a:r>
-            <a:r>
-              <a:rPr lang="zh-TW" altLang="en-US" sz="5400" b="1" dirty="0">
-                <a:solidFill>
-                  <a:srgbClr val="000066"/>
-                </a:solidFill>
-                <a:latin typeface="微軟正黑體" pitchFamily="34" charset="-120"/>
-                <a:ea typeface="微軟正黑體" pitchFamily="34" charset="-120"/>
-              </a:rPr>
-              <a:t>跟隨主不轉離</a:t>
+              <a:t>永遠跟隨主不轉離</a:t>
             </a:r>
           </a:p>
         </p:txBody>
@@ -3531,6 +3378,13 @@
   <p:clrMapOvr>
     <a:masterClrMapping/>
   </p:clrMapOvr>
+  <p:timing>
+    <p:tnLst>
+      <p:par>
+        <p:cTn id="1" dur="indefinite" restart="never" nodeType="tmRoot"/>
+      </p:par>
+    </p:tnLst>
+  </p:timing>
 </p:sld>
 </file>
 
@@ -3600,26 +3454,16 @@
               <a:buNone/>
             </a:pPr>
             <a:r>
-              <a:rPr lang="zh-TW" altLang="en-US" sz="5400" b="1" dirty="0">
+              <a:rPr lang="zh-TW" altLang="en-US" sz="6000" b="1" dirty="0">
                 <a:solidFill>
                   <a:srgbClr val="000066"/>
                 </a:solidFill>
                 <a:latin typeface="微軟正黑體" pitchFamily="34" charset="-120"/>
                 <a:ea typeface="微軟正黑體" pitchFamily="34" charset="-120"/>
               </a:rPr>
-              <a:t>活著為</a:t>
-            </a:r>
-            <a:r>
-              <a:rPr lang="zh-TW" altLang="en-US" sz="5400" b="1" dirty="0">
-                <a:solidFill>
-                  <a:srgbClr val="000066"/>
-                </a:solidFill>
-                <a:latin typeface="微軟正黑體" pitchFamily="34" charset="-120"/>
-                <a:ea typeface="微軟正黑體" pitchFamily="34" charset="-120"/>
-              </a:rPr>
-              <a:t>耶穌  真安息</a:t>
-            </a:r>
-            <a:endParaRPr lang="en-US" altLang="zh-TW" sz="5400" b="1" dirty="0">
+              <a:t>活著為耶穌  真安息</a:t>
+            </a:r>
+            <a:endParaRPr lang="en-US" altLang="zh-TW" sz="6000" b="1" dirty="0">
               <a:solidFill>
                 <a:srgbClr val="000066"/>
               </a:solidFill>
@@ -3632,56 +3476,16 @@
               <a:buNone/>
             </a:pPr>
             <a:r>
-              <a:rPr lang="zh-TW" altLang="en-US" sz="5400" b="1" dirty="0">
+              <a:rPr lang="zh-TW" altLang="en-US" sz="6000" b="1" dirty="0">
                 <a:solidFill>
                   <a:srgbClr val="000066"/>
                 </a:solidFill>
                 <a:latin typeface="微軟正黑體" pitchFamily="34" charset="-120"/>
                 <a:ea typeface="微軟正黑體" pitchFamily="34" charset="-120"/>
               </a:rPr>
-              <a:t>討</a:t>
-            </a:r>
-            <a:r>
-              <a:rPr lang="zh-TW" altLang="en-US" sz="5400" b="1" dirty="0">
-                <a:solidFill>
-                  <a:srgbClr val="000066"/>
-                </a:solidFill>
-                <a:latin typeface="微軟正黑體" pitchFamily="34" charset="-120"/>
-                <a:ea typeface="微軟正黑體" pitchFamily="34" charset="-120"/>
-              </a:rPr>
-              <a:t>我主</a:t>
-            </a:r>
-            <a:r>
-              <a:rPr lang="zh-TW" altLang="en-US" sz="5400" b="1" dirty="0">
-                <a:solidFill>
-                  <a:srgbClr val="000066"/>
-                </a:solidFill>
-                <a:latin typeface="微軟正黑體" pitchFamily="34" charset="-120"/>
-                <a:ea typeface="微軟正黑體" pitchFamily="34" charset="-120"/>
-              </a:rPr>
-              <a:t>喜悅  福</a:t>
-            </a:r>
-            <a:r>
-              <a:rPr lang="zh-TW" altLang="en-US" sz="5400" b="1" dirty="0">
-                <a:solidFill>
-                  <a:srgbClr val="000066"/>
-                </a:solidFill>
-                <a:latin typeface="微軟正黑體" pitchFamily="34" charset="-120"/>
-                <a:ea typeface="微軟正黑體" pitchFamily="34" charset="-120"/>
-              </a:rPr>
-              <a:t>滿</a:t>
-            </a:r>
-            <a:r>
-              <a:rPr lang="zh-TW" altLang="en-US" sz="5400" b="1" dirty="0">
-                <a:solidFill>
-                  <a:srgbClr val="000066"/>
-                </a:solidFill>
-                <a:latin typeface="微軟正黑體" pitchFamily="34" charset="-120"/>
-                <a:ea typeface="微軟正黑體" pitchFamily="34" charset="-120"/>
-              </a:rPr>
-              <a:t>溢</a:t>
-            </a:r>
-            <a:endParaRPr lang="en-US" altLang="zh-TW" sz="5400" b="1" dirty="0">
+              <a:t>討我主喜悅  福滿溢</a:t>
+            </a:r>
+            <a:endParaRPr lang="en-US" altLang="zh-TW" sz="6000" b="1" dirty="0">
               <a:solidFill>
                 <a:srgbClr val="000066"/>
               </a:solidFill>
@@ -3694,56 +3498,16 @@
               <a:buNone/>
             </a:pPr>
             <a:r>
-              <a:rPr lang="zh-TW" altLang="en-US" sz="5400" b="1" dirty="0">
+              <a:rPr lang="zh-TW" altLang="en-US" sz="6000" b="1" dirty="0">
                 <a:solidFill>
                   <a:srgbClr val="000066"/>
                 </a:solidFill>
                 <a:latin typeface="微軟正黑體" pitchFamily="34" charset="-120"/>
                 <a:ea typeface="微軟正黑體" pitchFamily="34" charset="-120"/>
               </a:rPr>
-              <a:t>單</a:t>
-            </a:r>
-            <a:r>
-              <a:rPr lang="zh-TW" altLang="en-US" sz="5400" b="1" dirty="0">
-                <a:solidFill>
-                  <a:srgbClr val="000066"/>
-                </a:solidFill>
-                <a:latin typeface="微軟正黑體" pitchFamily="34" charset="-120"/>
-                <a:ea typeface="微軟正黑體" pitchFamily="34" charset="-120"/>
-              </a:rPr>
-              <a:t>為主</a:t>
-            </a:r>
-            <a:r>
-              <a:rPr lang="zh-TW" altLang="en-US" sz="5400" b="1" dirty="0">
-                <a:solidFill>
-                  <a:srgbClr val="000066"/>
-                </a:solidFill>
-                <a:latin typeface="微軟正黑體" pitchFamily="34" charset="-120"/>
-                <a:ea typeface="微軟正黑體" pitchFamily="34" charset="-120"/>
-              </a:rPr>
-              <a:t>生活  聽</a:t>
-            </a:r>
-            <a:r>
-              <a:rPr lang="zh-TW" altLang="en-US" sz="5400" b="1" dirty="0">
-                <a:solidFill>
-                  <a:srgbClr val="000066"/>
-                </a:solidFill>
-                <a:latin typeface="微軟正黑體" pitchFamily="34" charset="-120"/>
-                <a:ea typeface="微軟正黑體" pitchFamily="34" charset="-120"/>
-              </a:rPr>
-              <a:t>主</a:t>
-            </a:r>
-            <a:r>
-              <a:rPr lang="zh-TW" altLang="en-US" sz="5400" b="1" dirty="0">
-                <a:solidFill>
-                  <a:srgbClr val="000066"/>
-                </a:solidFill>
-                <a:latin typeface="微軟正黑體" pitchFamily="34" charset="-120"/>
-                <a:ea typeface="微軟正黑體" pitchFamily="34" charset="-120"/>
-              </a:rPr>
-              <a:t>令</a:t>
-            </a:r>
-            <a:endParaRPr lang="en-US" altLang="zh-TW" sz="5400" b="1" dirty="0">
+              <a:t>單為主生活  聽主令</a:t>
+            </a:r>
+            <a:endParaRPr lang="en-US" altLang="zh-TW" sz="6000" b="1" dirty="0">
               <a:solidFill>
                 <a:srgbClr val="000066"/>
               </a:solidFill>
@@ -3756,24 +3520,44 @@
               <a:buNone/>
             </a:pPr>
             <a:r>
-              <a:rPr lang="zh-TW" altLang="en-US" sz="5400" b="1" dirty="0">
+              <a:rPr lang="zh-TW" altLang="en-US" sz="6000" b="1" dirty="0">
                 <a:solidFill>
                   <a:srgbClr val="000066"/>
                 </a:solidFill>
                 <a:latin typeface="微軟正黑體" pitchFamily="34" charset="-120"/>
                 <a:ea typeface="微軟正黑體" pitchFamily="34" charset="-120"/>
               </a:rPr>
-              <a:t>直到</a:t>
-            </a:r>
-            <a:r>
-              <a:rPr lang="zh-TW" altLang="en-US" sz="5400" b="1" dirty="0">
+              <a:t>直到我</a:t>
+            </a:r>
+            <a:r>
+              <a:rPr lang="zh-TW" altLang="en-US" sz="6000" b="1">
                 <a:solidFill>
                   <a:srgbClr val="000066"/>
                 </a:solidFill>
                 <a:latin typeface="微軟正黑體" pitchFamily="34" charset="-120"/>
                 <a:ea typeface="微軟正黑體" pitchFamily="34" charset="-120"/>
               </a:rPr>
-              <a:t>我走完世路程</a:t>
+              <a:t>走</a:t>
+            </a:r>
+            <a:r>
+              <a:rPr lang="zh-TW" altLang="en-US" sz="6000" b="1" smtClean="0">
+                <a:solidFill>
+                  <a:srgbClr val="000066"/>
+                </a:solidFill>
+                <a:latin typeface="微軟正黑體" pitchFamily="34" charset="-120"/>
+                <a:ea typeface="微軟正黑體" pitchFamily="34" charset="-120"/>
+              </a:rPr>
+              <a:t>完  世</a:t>
+            </a:r>
+            <a:r>
+              <a:rPr lang="zh-TW" altLang="en-US" sz="6000" b="1" dirty="0">
+                <a:solidFill>
+                  <a:srgbClr val="000066"/>
+                </a:solidFill>
+                <a:latin typeface="微軟正黑體" pitchFamily="34" charset="-120"/>
+                <a:ea typeface="微軟正黑體" pitchFamily="34" charset="-120"/>
+              </a:rPr>
+              <a:t>路程</a:t>
             </a:r>
           </a:p>
         </p:txBody>
@@ -3852,26 +3636,16 @@
               <a:buNone/>
             </a:pPr>
             <a:r>
-              <a:rPr lang="zh-TW" altLang="en-US" sz="5400" b="1" dirty="0">
+              <a:rPr lang="zh-TW" altLang="en-US" sz="6000" b="1" dirty="0">
                 <a:solidFill>
                   <a:srgbClr val="000066"/>
                 </a:solidFill>
                 <a:latin typeface="微軟正黑體" pitchFamily="34" charset="-120"/>
                 <a:ea typeface="微軟正黑體" pitchFamily="34" charset="-120"/>
               </a:rPr>
-              <a:t>求主助我多事奉</a:t>
-            </a:r>
-            <a:r>
-              <a:rPr lang="zh-TW" altLang="en-US" sz="5400" b="1" dirty="0">
-                <a:solidFill>
-                  <a:srgbClr val="000066"/>
-                </a:solidFill>
-                <a:latin typeface="微軟正黑體" pitchFamily="34" charset="-120"/>
-                <a:ea typeface="微軟正黑體" pitchFamily="34" charset="-120"/>
-              </a:rPr>
-              <a:t>你</a:t>
-            </a:r>
-            <a:endParaRPr lang="en-US" altLang="zh-TW" sz="5400" b="1" dirty="0">
+              <a:t>求主助我多事奉你</a:t>
+            </a:r>
+            <a:endParaRPr lang="en-US" altLang="zh-TW" sz="6000" b="1" dirty="0">
               <a:solidFill>
                 <a:srgbClr val="000066"/>
               </a:solidFill>
@@ -3884,36 +3658,16 @@
               <a:buNone/>
             </a:pPr>
             <a:r>
-              <a:rPr lang="zh-TW" altLang="en-US" sz="5400" b="1" dirty="0">
+              <a:rPr lang="zh-TW" altLang="en-US" sz="6000" b="1" dirty="0">
                 <a:solidFill>
                   <a:srgbClr val="000066"/>
                 </a:solidFill>
                 <a:latin typeface="微軟正黑體" pitchFamily="34" charset="-120"/>
                 <a:ea typeface="微軟正黑體" pitchFamily="34" charset="-120"/>
               </a:rPr>
-              <a:t>求</a:t>
-            </a:r>
-            <a:r>
-              <a:rPr lang="zh-TW" altLang="en-US" sz="5400" b="1" dirty="0">
-                <a:solidFill>
-                  <a:srgbClr val="000066"/>
-                </a:solidFill>
-                <a:latin typeface="微軟正黑體" pitchFamily="34" charset="-120"/>
-                <a:ea typeface="微軟正黑體" pitchFamily="34" charset="-120"/>
-              </a:rPr>
-              <a:t>主助我多讚美</a:t>
-            </a:r>
-            <a:r>
-              <a:rPr lang="zh-TW" altLang="en-US" sz="5400" b="1" dirty="0">
-                <a:solidFill>
-                  <a:srgbClr val="000066"/>
-                </a:solidFill>
-                <a:latin typeface="微軟正黑體" pitchFamily="34" charset="-120"/>
-                <a:ea typeface="微軟正黑體" pitchFamily="34" charset="-120"/>
-              </a:rPr>
-              <a:t>你</a:t>
-            </a:r>
-            <a:endParaRPr lang="en-US" altLang="zh-TW" sz="5400" b="1" dirty="0">
+              <a:t>求主助我多讚美你</a:t>
+            </a:r>
+            <a:endParaRPr lang="en-US" altLang="zh-TW" sz="6000" b="1" dirty="0">
               <a:solidFill>
                 <a:srgbClr val="000066"/>
               </a:solidFill>
@@ -3926,36 +3680,16 @@
               <a:buNone/>
             </a:pPr>
             <a:r>
-              <a:rPr lang="zh-TW" altLang="en-US" sz="5400" b="1" dirty="0">
+              <a:rPr lang="zh-TW" altLang="en-US" sz="6000" b="1" dirty="0">
                 <a:solidFill>
                   <a:srgbClr val="000066"/>
                 </a:solidFill>
                 <a:latin typeface="微軟正黑體" pitchFamily="34" charset="-120"/>
                 <a:ea typeface="微軟正黑體" pitchFamily="34" charset="-120"/>
               </a:rPr>
-              <a:t>使</a:t>
-            </a:r>
-            <a:r>
-              <a:rPr lang="zh-TW" altLang="en-US" sz="5400" b="1" dirty="0">
-                <a:solidFill>
-                  <a:srgbClr val="000066"/>
-                </a:solidFill>
-                <a:latin typeface="微軟正黑體" pitchFamily="34" charset="-120"/>
-                <a:ea typeface="微軟正黑體" pitchFamily="34" charset="-120"/>
-              </a:rPr>
-              <a:t>我活在主慈愛</a:t>
-            </a:r>
-            <a:r>
-              <a:rPr lang="zh-TW" altLang="en-US" sz="5400" b="1" dirty="0">
-                <a:solidFill>
-                  <a:srgbClr val="000066"/>
-                </a:solidFill>
-                <a:latin typeface="微軟正黑體" pitchFamily="34" charset="-120"/>
-                <a:ea typeface="微軟正黑體" pitchFamily="34" charset="-120"/>
-              </a:rPr>
-              <a:t>裡</a:t>
-            </a:r>
-            <a:endParaRPr lang="en-US" altLang="zh-TW" sz="5400" b="1" dirty="0">
+              <a:t>使我活在主慈愛裡</a:t>
+            </a:r>
+            <a:endParaRPr lang="en-US" altLang="zh-TW" sz="6000" b="1" dirty="0">
               <a:solidFill>
                 <a:srgbClr val="000066"/>
               </a:solidFill>
@@ -3968,24 +3702,14 @@
               <a:buNone/>
             </a:pPr>
             <a:r>
-              <a:rPr lang="zh-TW" altLang="en-US" sz="5400" b="1" dirty="0">
+              <a:rPr lang="zh-TW" altLang="en-US" sz="6000" b="1" dirty="0">
                 <a:solidFill>
                   <a:srgbClr val="000066"/>
                 </a:solidFill>
                 <a:latin typeface="微軟正黑體" pitchFamily="34" charset="-120"/>
                 <a:ea typeface="微軟正黑體" pitchFamily="34" charset="-120"/>
               </a:rPr>
-              <a:t>永遠</a:t>
-            </a:r>
-            <a:r>
-              <a:rPr lang="zh-TW" altLang="en-US" sz="5400" b="1" dirty="0">
-                <a:solidFill>
-                  <a:srgbClr val="000066"/>
-                </a:solidFill>
-                <a:latin typeface="微軟正黑體" pitchFamily="34" charset="-120"/>
-                <a:ea typeface="微軟正黑體" pitchFamily="34" charset="-120"/>
-              </a:rPr>
-              <a:t>跟隨主不轉離</a:t>
+              <a:t>永遠跟隨主不轉離</a:t>
             </a:r>
           </a:p>
         </p:txBody>
